--- a/documentation/05 Compliance Interface.pptx
+++ b/documentation/05 Compliance Interface.pptx
@@ -122,7 +122,7 @@
   </p:defaultTextStyle>
   <p:extLst>
     <p:ext uri="{EFAFB233-063F-42B5-8137-9DF3F51BA10A}">
-      <p15:sldGuideLst xmlns="" xmlns:p15="http://schemas.microsoft.com/office/powerpoint/2012/main">
+      <p15:sldGuideLst xmlns:p15="http://schemas.microsoft.com/office/powerpoint/2012/main">
         <p15:guide id="2" pos="3840" userDrawn="1">
           <p15:clr>
             <a:srgbClr val="A4A3A4"/>
@@ -136,7 +136,7 @@
       </p15:sldGuideLst>
     </p:ext>
     <p:ext uri="{2D200454-40CA-4A62-9FC3-DE9A4176ACB9}">
-      <p15:notesGuideLst xmlns="" xmlns:p15="http://schemas.microsoft.com/office/powerpoint/2012/main"/>
+      <p15:notesGuideLst xmlns:p15="http://schemas.microsoft.com/office/powerpoint/2012/main"/>
     </p:ext>
   </p:extLst>
 </p:presentation>
@@ -224,7 +224,7 @@
           <a:p>
             <a:fld id="{CE53DE84-D7B3-4797-B14D-77424657396D}" type="datetimeFigureOut">
               <a:rPr lang="en-GB" smtClean="0"/>
-              <a:t>12/02/2018</a:t>
+              <a:t>01/03/2018</a:t>
             </a:fld>
             <a:endParaRPr lang="en-GB" dirty="0"/>
           </a:p>
@@ -389,7 +389,7 @@
           <a:p>
             <a:fld id="{D1C597EC-6BB0-461C-B045-D257C6C8821E}" type="datetimeFigureOut">
               <a:rPr lang="en-GB" smtClean="0"/>
-              <a:t>12/02/2018</a:t>
+              <a:t>01/03/2018</a:t>
             </a:fld>
             <a:endParaRPr lang="en-GB" dirty="0"/>
           </a:p>
@@ -1495,7 +1495,7 @@
           <a:p>
             <a:fld id="{22E7AA2F-F619-4723-B6E7-545F24B9918D}" type="datetime4">
               <a:rPr lang="en-GB" smtClean="0"/>
-              <a:t>12 February 2018</a:t>
+              <a:t>01 March 2018</a:t>
             </a:fld>
             <a:endParaRPr lang="en-GB" dirty="0"/>
           </a:p>
@@ -1699,7 +1699,7 @@
           <a:p>
             <a:fld id="{2A4201E0-34F3-46A7-AE44-D99163B13904}" type="datetime4">
               <a:rPr lang="en-GB" smtClean="0"/>
-              <a:t>12 February 2018</a:t>
+              <a:t>01 March 2018</a:t>
             </a:fld>
             <a:endParaRPr lang="en-GB" dirty="0"/>
           </a:p>
@@ -1791,7 +1791,7 @@
   </p:clrMapOvr>
   <p:extLst mod="1">
     <p:ext uri="{DCECCB84-F9BA-43D5-87BE-67443E8EF086}">
-      <p15:sldGuideLst xmlns="" xmlns:p15="http://schemas.microsoft.com/office/powerpoint/2012/main"/>
+      <p15:sldGuideLst xmlns:p15="http://schemas.microsoft.com/office/powerpoint/2012/main"/>
     </p:ext>
   </p:extLst>
 </p:sldLayout>
@@ -1947,7 +1947,7 @@
           <a:p>
             <a:fld id="{4FAE0867-24A8-448F-B507-CC8586AA6B96}" type="datetime4">
               <a:rPr lang="en-GB" smtClean="0"/>
-              <a:t>12 February 2018</a:t>
+              <a:t>01 March 2018</a:t>
             </a:fld>
             <a:endParaRPr lang="en-GB" dirty="0"/>
           </a:p>
@@ -2131,7 +2131,7 @@
           <a:p>
             <a:fld id="{54BE1DED-F17D-40BA-964F-A1C8DEDCEF61}" type="datetime4">
               <a:rPr lang="en-GB" smtClean="0"/>
-              <a:t>12 February 2018</a:t>
+              <a:t>01 March 2018</a:t>
             </a:fld>
             <a:endParaRPr lang="en-GB" dirty="0"/>
           </a:p>
@@ -2507,7 +2507,7 @@
             <a:fld id="{D9FBC6CA-9941-44FF-B65D-C7A23CB5A4BE}" type="datetime4">
               <a:rPr lang="en-GB" smtClean="0"/>
               <a:pPr/>
-              <a:t>12 February 2018</a:t>
+              <a:t>01 March 2018</a:t>
             </a:fld>
             <a:endParaRPr lang="en-GB" dirty="0"/>
           </a:p>
@@ -2693,7 +2693,7 @@
           <a:p>
             <a:fld id="{D473304B-F8FC-4BC7-8FE8-C50BC87E1FAB}" type="datetime4">
               <a:rPr lang="en-GB" smtClean="0"/>
-              <a:t>12 February 2018</a:t>
+              <a:t>01 March 2018</a:t>
             </a:fld>
             <a:endParaRPr lang="en-GB" dirty="0"/>
           </a:p>
@@ -2788,7 +2788,7 @@
           <a:p>
             <a:fld id="{D3D7C3DF-C1B2-4C30-9BDA-F5EE790E7213}" type="datetime4">
               <a:rPr lang="en-GB" smtClean="0"/>
-              <a:t>12 February 2018</a:t>
+              <a:t>01 March 2018</a:t>
             </a:fld>
             <a:endParaRPr lang="en-GB" dirty="0"/>
           </a:p>
@@ -3013,7 +3013,7 @@
           <a:p>
             <a:fld id="{7A1E630C-C3F3-4A66-A20B-F3CE4CC3331D}" type="datetime4">
               <a:rPr lang="en-GB" smtClean="0"/>
-              <a:t>12 February 2018</a:t>
+              <a:t>01 March 2018</a:t>
             </a:fld>
             <a:endParaRPr lang="en-GB" dirty="0"/>
           </a:p>
@@ -3647,7 +3647,7 @@
           <a:p>
             <a:fld id="{D22C19FE-D082-4640-BFED-203C0E583774}" type="datetime4">
               <a:rPr lang="en-GB" smtClean="0"/>
-              <a:t>12 February 2018</a:t>
+              <a:t>01 March 2018</a:t>
             </a:fld>
             <a:endParaRPr lang="en-GB" dirty="0"/>
           </a:p>
@@ -4123,7 +4123,7 @@
   </p:txStyles>
   <p:extLst mod="1">
     <p:ext uri="{27BBF7A9-308A-43DC-89C8-2F10F3537804}">
-      <p15:sldGuideLst xmlns="" xmlns:p15="http://schemas.microsoft.com/office/powerpoint/2012/main">
+      <p15:sldGuideLst xmlns:p15="http://schemas.microsoft.com/office/powerpoint/2012/main">
         <p15:guide id="1" pos="3772" userDrawn="1">
           <p15:clr>
             <a:srgbClr val="F26B43"/>
@@ -4252,7 +4252,7 @@
             <a:pPr lvl="1"/>
             <a:r>
               <a:rPr lang="en-GB" dirty="0" smtClean="0"/>
-              <a:t>February 2018</a:t>
+              <a:t>2018</a:t>
             </a:r>
             <a:endParaRPr lang="en-GB" dirty="0"/>
           </a:p>
@@ -4352,7 +4352,7 @@
             <a:fld id="{BC3F1638-3586-4527-A760-38AC15BFC248}" type="datetime4">
               <a:rPr lang="en-GB" smtClean="0"/>
               <a:pPr/>
-              <a:t>12 February 2018</a:t>
+              <a:t>01 March 2018</a:t>
             </a:fld>
             <a:endParaRPr lang="en-GB" dirty="0"/>
           </a:p>
@@ -4407,8 +4407,20 @@
                 <a:tableStyleId>{5C22544A-7EE6-4342-B048-85BDC9FD1C3A}</a:tableStyleId>
               </a:tblPr>
               <a:tblGrid>
-                <a:gridCol w="4064000"/>
-                <a:gridCol w="4064000"/>
+                <a:gridCol w="4064000">
+                  <a:extLst>
+                    <a:ext uri="{9D8B030D-6E8A-4147-A177-3AD203B41FA5}">
+                      <a16:colId xmlns:a16="http://schemas.microsoft.com/office/drawing/2014/main" val="20000"/>
+                    </a:ext>
+                  </a:extLst>
+                </a:gridCol>
+                <a:gridCol w="4064000">
+                  <a:extLst>
+                    <a:ext uri="{9D8B030D-6E8A-4147-A177-3AD203B41FA5}">
+                      <a16:colId xmlns:a16="http://schemas.microsoft.com/office/drawing/2014/main" val="20001"/>
+                    </a:ext>
+                  </a:extLst>
+                </a:gridCol>
               </a:tblGrid>
               <a:tr h="659193">
                 <a:tc>
@@ -4441,6 +4453,11 @@
                   </a:txBody>
                   <a:tcPr/>
                 </a:tc>
+                <a:extLst>
+                  <a:ext uri="{0D108BD9-81ED-4DB2-BD59-A6C34878D82A}">
+                    <a16:rowId xmlns:a16="http://schemas.microsoft.com/office/drawing/2014/main" val="10000"/>
+                  </a:ext>
+                </a:extLst>
               </a:tr>
               <a:tr h="1454453">
                 <a:tc>
@@ -4463,6 +4480,11 @@
                   </a:txBody>
                   <a:tcPr/>
                 </a:tc>
+                <a:extLst>
+                  <a:ext uri="{0D108BD9-81ED-4DB2-BD59-A6C34878D82A}">
+                    <a16:rowId xmlns:a16="http://schemas.microsoft.com/office/drawing/2014/main" val="10001"/>
+                  </a:ext>
+                </a:extLst>
               </a:tr>
             </a:tbl>
           </a:graphicData>
@@ -4490,7 +4512,7 @@
           <a:graphicData uri="http://schemas.openxmlformats.org/presentationml/2006/ole">
             <mc:AlternateContent xmlns:mc="http://schemas.openxmlformats.org/markup-compatibility/2006">
               <mc:Choice xmlns:v="urn:schemas-microsoft-com:vml" Requires="v">
-                <p:oleObj spid="_x0000_s2062" name="Packager Shell Object" showAsIcon="1" r:id="rId4" imgW="1155960" imgH="685800" progId="Package">
+                <p:oleObj spid="_x0000_s2064" name="Packager Shell Object" showAsIcon="1" r:id="rId4" imgW="1155960" imgH="685800" progId="Package">
                   <p:embed/>
                 </p:oleObj>
               </mc:Choice>
@@ -4547,7 +4569,7 @@
           <a:graphicData uri="http://schemas.openxmlformats.org/presentationml/2006/ole">
             <mc:AlternateContent xmlns:mc="http://schemas.openxmlformats.org/markup-compatibility/2006">
               <mc:Choice xmlns:v="urn:schemas-microsoft-com:vml" Requires="v">
-                <p:oleObj spid="_x0000_s2063" name="Packager Shell Object" showAsIcon="1" r:id="rId6" imgW="1028880" imgH="685800" progId="Package">
+                <p:oleObj spid="_x0000_s2065" name="Packager Shell Object" showAsIcon="1" r:id="rId6" imgW="1028880" imgH="685800" progId="Package">
                   <p:embed/>
                 </p:oleObj>
               </mc:Choice>
@@ -4701,7 +4723,7 @@
             <a:fld id="{D98A2CEC-3088-437B-B321-33BEC7D93FCD}" type="datetime4">
               <a:rPr lang="en-GB" smtClean="0"/>
               <a:pPr/>
-              <a:t>12 February 2018</a:t>
+              <a:t>01 March 2018</a:t>
             </a:fld>
             <a:endParaRPr lang="en-GB" dirty="0"/>
           </a:p>
@@ -4880,7 +4902,7 @@
           <a:p>
             <a:fld id="{6096F0BA-ECEE-44D1-ABE9-40C67B221300}" type="datetime4">
               <a:rPr lang="en-GB" smtClean="0"/>
-              <a:t>12 February 2018</a:t>
+              <a:t>01 March 2018</a:t>
             </a:fld>
             <a:endParaRPr lang="en-GB" dirty="0"/>
           </a:p>
@@ -5056,7 +5078,7 @@
             <a:fld id="{014A5046-EA5E-455B-A3BC-352818629394}" type="datetime4">
               <a:rPr lang="en-GB" smtClean="0"/>
               <a:pPr/>
-              <a:t>12 February 2018</a:t>
+              <a:t>01 March 2018</a:t>
             </a:fld>
             <a:endParaRPr lang="en-GB" dirty="0"/>
           </a:p>
@@ -5176,7 +5198,7 @@
             <a:fld id="{BC3F1638-3586-4527-A760-38AC15BFC248}" type="datetime4">
               <a:rPr lang="en-GB" smtClean="0"/>
               <a:pPr/>
-              <a:t>12 February 2018</a:t>
+              <a:t>01 March 2018</a:t>
             </a:fld>
             <a:endParaRPr lang="en-GB" dirty="0"/>
           </a:p>
@@ -7420,7 +7442,7 @@
             <a:fld id="{BC3F1638-3586-4527-A760-38AC15BFC248}" type="datetime4">
               <a:rPr lang="en-GB" smtClean="0"/>
               <a:pPr/>
-              <a:t>12 February 2018</a:t>
+              <a:t>01 March 2018</a:t>
             </a:fld>
             <a:endParaRPr lang="en-GB" dirty="0"/>
           </a:p>
@@ -7926,7 +7948,7 @@
           <a:p>
             <a:fld id="{54BE1DED-F17D-40BA-964F-A1C8DEDCEF61}" type="datetime4">
               <a:rPr lang="en-GB" smtClean="0"/>
-              <a:t>12 February 2018</a:t>
+              <a:t>01 March 2018</a:t>
             </a:fld>
             <a:endParaRPr lang="en-GB" dirty="0"/>
           </a:p>
@@ -8070,12 +8092,6 @@
               </a:rPr>
               <a:t>MQ</a:t>
             </a:r>
-            <a:endParaRPr lang="en-US" b="1" dirty="0" smtClean="0">
-              <a:solidFill>
-                <a:schemeClr val="accent2"/>
-              </a:solidFill>
-              <a:latin typeface="Courier" pitchFamily="49" charset="0"/>
-            </a:endParaRPr>
           </a:p>
           <a:p>
             <a:pPr marL="411163" indent="-411163">
@@ -8233,7 +8249,7 @@
           <a:p>
             <a:fld id="{54BE1DED-F17D-40BA-964F-A1C8DEDCEF61}" type="datetime4">
               <a:rPr lang="en-GB" smtClean="0"/>
-              <a:t>12 February 2018</a:t>
+              <a:t>01 March 2018</a:t>
             </a:fld>
             <a:endParaRPr lang="en-GB" dirty="0"/>
           </a:p>
@@ -8287,9 +8303,27 @@
                 <a:tableStyleId>{5C22544A-7EE6-4342-B048-85BDC9FD1C3A}</a:tableStyleId>
               </a:tblPr>
               <a:tblGrid>
-                <a:gridCol w="2510971"/>
-                <a:gridCol w="3338286"/>
-                <a:gridCol w="3904343"/>
+                <a:gridCol w="2510971">
+                  <a:extLst>
+                    <a:ext uri="{9D8B030D-6E8A-4147-A177-3AD203B41FA5}">
+                      <a16:colId xmlns:a16="http://schemas.microsoft.com/office/drawing/2014/main" val="20000"/>
+                    </a:ext>
+                  </a:extLst>
+                </a:gridCol>
+                <a:gridCol w="3338286">
+                  <a:extLst>
+                    <a:ext uri="{9D8B030D-6E8A-4147-A177-3AD203B41FA5}">
+                      <a16:colId xmlns:a16="http://schemas.microsoft.com/office/drawing/2014/main" val="20001"/>
+                    </a:ext>
+                  </a:extLst>
+                </a:gridCol>
+                <a:gridCol w="3904343">
+                  <a:extLst>
+                    <a:ext uri="{9D8B030D-6E8A-4147-A177-3AD203B41FA5}">
+                      <a16:colId xmlns:a16="http://schemas.microsoft.com/office/drawing/2014/main" val="20002"/>
+                    </a:ext>
+                  </a:extLst>
+                </a:gridCol>
               </a:tblGrid>
               <a:tr h="370840">
                 <a:tc>
@@ -8334,6 +8368,11 @@
                   </a:txBody>
                   <a:tcPr/>
                 </a:tc>
+                <a:extLst>
+                  <a:ext uri="{0D108BD9-81ED-4DB2-BD59-A6C34878D82A}">
+                    <a16:rowId xmlns:a16="http://schemas.microsoft.com/office/drawing/2014/main" val="10000"/>
+                  </a:ext>
+                </a:extLst>
               </a:tr>
               <a:tr h="370840">
                 <a:tc>
@@ -8378,6 +8417,11 @@
                   </a:txBody>
                   <a:tcPr/>
                 </a:tc>
+                <a:extLst>
+                  <a:ext uri="{0D108BD9-81ED-4DB2-BD59-A6C34878D82A}">
+                    <a16:rowId xmlns:a16="http://schemas.microsoft.com/office/drawing/2014/main" val="10001"/>
+                  </a:ext>
+                </a:extLst>
               </a:tr>
               <a:tr h="370840">
                 <a:tc>
@@ -8426,6 +8470,11 @@
                   </a:txBody>
                   <a:tcPr/>
                 </a:tc>
+                <a:extLst>
+                  <a:ext uri="{0D108BD9-81ED-4DB2-BD59-A6C34878D82A}">
+                    <a16:rowId xmlns:a16="http://schemas.microsoft.com/office/drawing/2014/main" val="10002"/>
+                  </a:ext>
+                </a:extLst>
               </a:tr>
               <a:tr h="370840">
                 <a:tc>
@@ -8470,6 +8519,11 @@
                   </a:txBody>
                   <a:tcPr/>
                 </a:tc>
+                <a:extLst>
+                  <a:ext uri="{0D108BD9-81ED-4DB2-BD59-A6C34878D82A}">
+                    <a16:rowId xmlns:a16="http://schemas.microsoft.com/office/drawing/2014/main" val="10003"/>
+                  </a:ext>
+                </a:extLst>
               </a:tr>
               <a:tr h="370840">
                 <a:tc>
@@ -8518,6 +8572,11 @@
                   </a:txBody>
                   <a:tcPr/>
                 </a:tc>
+                <a:extLst>
+                  <a:ext uri="{0D108BD9-81ED-4DB2-BD59-A6C34878D82A}">
+                    <a16:rowId xmlns:a16="http://schemas.microsoft.com/office/drawing/2014/main" val="10004"/>
+                  </a:ext>
+                </a:extLst>
               </a:tr>
               <a:tr h="370840">
                 <a:tc>
@@ -8562,6 +8621,11 @@
                   </a:txBody>
                   <a:tcPr/>
                 </a:tc>
+                <a:extLst>
+                  <a:ext uri="{0D108BD9-81ED-4DB2-BD59-A6C34878D82A}">
+                    <a16:rowId xmlns:a16="http://schemas.microsoft.com/office/drawing/2014/main" val="10005"/>
+                  </a:ext>
+                </a:extLst>
               </a:tr>
               <a:tr h="370840">
                 <a:tc>
@@ -8606,6 +8670,11 @@
                   </a:txBody>
                   <a:tcPr/>
                 </a:tc>
+                <a:extLst>
+                  <a:ext uri="{0D108BD9-81ED-4DB2-BD59-A6C34878D82A}">
+                    <a16:rowId xmlns:a16="http://schemas.microsoft.com/office/drawing/2014/main" val="10006"/>
+                  </a:ext>
+                </a:extLst>
               </a:tr>
             </a:tbl>
           </a:graphicData>
@@ -8692,7 +8761,7 @@
           <a:p>
             <a:fld id="{54BE1DED-F17D-40BA-964F-A1C8DEDCEF61}" type="datetime4">
               <a:rPr lang="en-GB" smtClean="0"/>
-              <a:t>12 February 2018</a:t>
+              <a:t>01 March 2018</a:t>
             </a:fld>
             <a:endParaRPr lang="en-GB" dirty="0"/>
           </a:p>
@@ -8746,9 +8815,27 @@
                 <a:tableStyleId>{5C22544A-7EE6-4342-B048-85BDC9FD1C3A}</a:tableStyleId>
               </a:tblPr>
               <a:tblGrid>
-                <a:gridCol w="1349829"/>
-                <a:gridCol w="1103085"/>
-                <a:gridCol w="8519885"/>
+                <a:gridCol w="1349829">
+                  <a:extLst>
+                    <a:ext uri="{9D8B030D-6E8A-4147-A177-3AD203B41FA5}">
+                      <a16:colId xmlns:a16="http://schemas.microsoft.com/office/drawing/2014/main" val="20000"/>
+                    </a:ext>
+                  </a:extLst>
+                </a:gridCol>
+                <a:gridCol w="1103085">
+                  <a:extLst>
+                    <a:ext uri="{9D8B030D-6E8A-4147-A177-3AD203B41FA5}">
+                      <a16:colId xmlns:a16="http://schemas.microsoft.com/office/drawing/2014/main" val="20001"/>
+                    </a:ext>
+                  </a:extLst>
+                </a:gridCol>
+                <a:gridCol w="8519885">
+                  <a:extLst>
+                    <a:ext uri="{9D8B030D-6E8A-4147-A177-3AD203B41FA5}">
+                      <a16:colId xmlns:a16="http://schemas.microsoft.com/office/drawing/2014/main" val="20002"/>
+                    </a:ext>
+                  </a:extLst>
+                </a:gridCol>
               </a:tblGrid>
               <a:tr h="370840">
                 <a:tc>
@@ -8793,6 +8880,11 @@
                   </a:txBody>
                   <a:tcPr/>
                 </a:tc>
+                <a:extLst>
+                  <a:ext uri="{0D108BD9-81ED-4DB2-BD59-A6C34878D82A}">
+                    <a16:rowId xmlns:a16="http://schemas.microsoft.com/office/drawing/2014/main" val="10000"/>
+                  </a:ext>
+                </a:extLst>
               </a:tr>
               <a:tr h="367454">
                 <a:tc>
@@ -8904,6 +8996,11 @@
                   </a:txBody>
                   <a:tcPr/>
                 </a:tc>
+                <a:extLst>
+                  <a:ext uri="{0D108BD9-81ED-4DB2-BD59-A6C34878D82A}">
+                    <a16:rowId xmlns:a16="http://schemas.microsoft.com/office/drawing/2014/main" val="10001"/>
+                  </a:ext>
+                </a:extLst>
               </a:tr>
               <a:tr h="367454">
                 <a:tc>
@@ -9014,6 +9111,11 @@
                   </a:txBody>
                   <a:tcPr/>
                 </a:tc>
+                <a:extLst>
+                  <a:ext uri="{0D108BD9-81ED-4DB2-BD59-A6C34878D82A}">
+                    <a16:rowId xmlns:a16="http://schemas.microsoft.com/office/drawing/2014/main" val="10002"/>
+                  </a:ext>
+                </a:extLst>
               </a:tr>
               <a:tr h="367454">
                 <a:tc>
@@ -9070,6 +9172,11 @@
                   </a:txBody>
                   <a:tcPr/>
                 </a:tc>
+                <a:extLst>
+                  <a:ext uri="{0D108BD9-81ED-4DB2-BD59-A6C34878D82A}">
+                    <a16:rowId xmlns:a16="http://schemas.microsoft.com/office/drawing/2014/main" val="10003"/>
+                  </a:ext>
+                </a:extLst>
               </a:tr>
             </a:tbl>
           </a:graphicData>
@@ -9157,7 +9264,7 @@
             <a:fld id="{BC3F1638-3586-4527-A760-38AC15BFC248}" type="datetime4">
               <a:rPr lang="en-GB" smtClean="0"/>
               <a:pPr/>
-              <a:t>12 February 2018</a:t>
+              <a:t>01 March 2018</a:t>
             </a:fld>
             <a:endParaRPr lang="en-GB" dirty="0"/>
           </a:p>
@@ -9389,8 +9496,20 @@
                 <a:tableStyleId>{5C22544A-7EE6-4342-B048-85BDC9FD1C3A}</a:tableStyleId>
               </a:tblPr>
               <a:tblGrid>
-                <a:gridCol w="4064000"/>
-                <a:gridCol w="4064000"/>
+                <a:gridCol w="4064000">
+                  <a:extLst>
+                    <a:ext uri="{9D8B030D-6E8A-4147-A177-3AD203B41FA5}">
+                      <a16:colId xmlns:a16="http://schemas.microsoft.com/office/drawing/2014/main" val="20000"/>
+                    </a:ext>
+                  </a:extLst>
+                </a:gridCol>
+                <a:gridCol w="4064000">
+                  <a:extLst>
+                    <a:ext uri="{9D8B030D-6E8A-4147-A177-3AD203B41FA5}">
+                      <a16:colId xmlns:a16="http://schemas.microsoft.com/office/drawing/2014/main" val="20001"/>
+                    </a:ext>
+                  </a:extLst>
+                </a:gridCol>
               </a:tblGrid>
               <a:tr h="370840">
                 <a:tc>
@@ -9421,6 +9540,11 @@
                   </a:txBody>
                   <a:tcPr/>
                 </a:tc>
+                <a:extLst>
+                  <a:ext uri="{0D108BD9-81ED-4DB2-BD59-A6C34878D82A}">
+                    <a16:rowId xmlns:a16="http://schemas.microsoft.com/office/drawing/2014/main" val="10000"/>
+                  </a:ext>
+                </a:extLst>
               </a:tr>
               <a:tr h="370840">
                 <a:tc>
@@ -9451,6 +9575,11 @@
                   </a:txBody>
                   <a:tcPr/>
                 </a:tc>
+                <a:extLst>
+                  <a:ext uri="{0D108BD9-81ED-4DB2-BD59-A6C34878D82A}">
+                    <a16:rowId xmlns:a16="http://schemas.microsoft.com/office/drawing/2014/main" val="10001"/>
+                  </a:ext>
+                </a:extLst>
               </a:tr>
               <a:tr h="370840">
                 <a:tc>
@@ -9481,6 +9610,11 @@
                   </a:txBody>
                   <a:tcPr/>
                 </a:tc>
+                <a:extLst>
+                  <a:ext uri="{0D108BD9-81ED-4DB2-BD59-A6C34878D82A}">
+                    <a16:rowId xmlns:a16="http://schemas.microsoft.com/office/drawing/2014/main" val="10002"/>
+                  </a:ext>
+                </a:extLst>
               </a:tr>
               <a:tr h="461071">
                 <a:tc>
@@ -9531,6 +9665,11 @@
                   </a:txBody>
                   <a:tcPr/>
                 </a:tc>
+                <a:extLst>
+                  <a:ext uri="{0D108BD9-81ED-4DB2-BD59-A6C34878D82A}">
+                    <a16:rowId xmlns:a16="http://schemas.microsoft.com/office/drawing/2014/main" val="10003"/>
+                  </a:ext>
+                </a:extLst>
               </a:tr>
             </a:tbl>
           </a:graphicData>
@@ -9870,7 +10009,7 @@
   <a:extraClrSchemeLst/>
   <a:extLst>
     <a:ext uri="{05A4C25C-085E-4340-85A3-A5531E510DB2}">
-      <thm15:themeFamily xmlns="" xmlns:thm15="http://schemas.microsoft.com/office/thememl/2012/main" name="Finastra_PowerPoint_Template_LIGHT.potx" id="{E28E15CF-D4AF-4030-9C27-4521403959F6}" vid="{3C581112-1A15-4DD8-9762-0CCB35449E2C}"/>
+      <thm15:themeFamily xmlns:thm15="http://schemas.microsoft.com/office/thememl/2012/main" name="Finastra_PowerPoint_Template_LIGHT.potx" id="{E28E15CF-D4AF-4030-9C27-4521403959F6}" vid="{3C581112-1A15-4DD8-9762-0CCB35449E2C}"/>
     </a:ext>
   </a:extLst>
 </a:theme>
@@ -10131,7 +10270,7 @@
   <a:extraClrSchemeLst/>
   <a:extLst>
     <a:ext uri="{05A4C25C-085E-4340-85A3-A5531E510DB2}">
-      <thm15:themeFamily xmlns="" xmlns:thm15="http://schemas.microsoft.com/office/thememl/2012/main" name="Office Theme" id="{62F939B6-93AF-4DB8-9C6B-D6C7DFDC589F}" vid="{4A3C46E8-61CC-4603-A589-7422A47A8E4A}"/>
+      <thm15:themeFamily xmlns:thm15="http://schemas.microsoft.com/office/thememl/2012/main" name="Office Theme" id="{62F939B6-93AF-4DB8-9C6B-D6C7DFDC589F}" vid="{4A3C46E8-61CC-4603-A589-7422A47A8E4A}"/>
     </a:ext>
   </a:extLst>
 </a:theme>
@@ -10392,7 +10531,7 @@
   <a:extraClrSchemeLst/>
   <a:extLst>
     <a:ext uri="{05A4C25C-085E-4340-85A3-A5531E510DB2}">
-      <thm15:themeFamily xmlns="" xmlns:thm15="http://schemas.microsoft.com/office/thememl/2012/main" name="Office Theme" id="{62F939B6-93AF-4DB8-9C6B-D6C7DFDC589F}" vid="{4A3C46E8-61CC-4603-A589-7422A47A8E4A}"/>
+      <thm15:themeFamily xmlns:thm15="http://schemas.microsoft.com/office/thememl/2012/main" name="Office Theme" id="{62F939B6-93AF-4DB8-9C6B-D6C7DFDC589F}" vid="{4A3C46E8-61CC-4603-A589-7422A47A8E4A}"/>
     </a:ext>
   </a:extLst>
 </a:theme>
@@ -10442,6 +10581,24 @@
 </file>
 
 <file path=customXml/item1.xml><?xml version="1.0" encoding="utf-8"?>
+<p:properties xmlns:p="http://schemas.microsoft.com/office/2006/metadata/properties" xmlns:xsi="http://www.w3.org/2001/XMLSchema-instance" xmlns:pc="http://schemas.microsoft.com/office/infopath/2007/PartnerControls">
+  <documentManagement>
+    <PublishingExpirationDate xmlns="http://schemas.microsoft.com/sharepoint/v3" xsi:nil="true"/>
+    <PublishingStartDate xmlns="http://schemas.microsoft.com/sharepoint/v3" xsi:nil="true"/>
+  </documentManagement>
+</p:properties>
+</file>
+
+<file path=customXml/item2.xml><?xml version="1.0" encoding="utf-8"?>
+<?mso-contentType ?>
+<FormTemplates xmlns="http://schemas.microsoft.com/sharepoint/v3/contenttype/forms">
+  <Display>DocumentLibraryForm</Display>
+  <Edit>DocumentLibraryForm</Edit>
+  <New>DocumentLibraryForm</New>
+</FormTemplates>
+</file>
+
+<file path=customXml/item3.xml><?xml version="1.0" encoding="utf-8"?>
 <ct:contentTypeSchema xmlns:ct="http://schemas.microsoft.com/office/2006/metadata/contentType" xmlns:ma="http://schemas.microsoft.com/office/2006/metadata/properties/metaAttributes" ct:_="" ma:_="" ma:contentTypeName="Document" ma:contentTypeID="0x0101009AFDA2510A45954CB46081864A6D864F" ma:contentTypeVersion="5" ma:contentTypeDescription="Create a new document." ma:contentTypeScope="" ma:versionID="5b475eef84496e2b7a4205b1d00d7d4c">
   <xsd:schema xmlns:xsd="http://www.w3.org/2001/XMLSchema" xmlns:xs="http://www.w3.org/2001/XMLSchema" xmlns:p="http://schemas.microsoft.com/office/2006/metadata/properties" xmlns:ns1="http://schemas.microsoft.com/sharepoint/v3" xmlns:ns2="1913475e-a030-45ec-9e8a-a2630205b38f" xmlns:ns3="0ae7057e-292f-4fd1-bead-5494e4c66c6d" targetNamespace="http://schemas.microsoft.com/office/2006/metadata/properties" ma:root="true" ma:fieldsID="85738e600c763465eda532a3d229a01a" ns1:_="" ns2:_="" ns3:_="">
     <xsd:import namespace="http://schemas.microsoft.com/sharepoint/v3"/>
@@ -10623,25 +10780,33 @@
 </ct:contentTypeSchema>
 </file>
 
-<file path=customXml/item2.xml><?xml version="1.0" encoding="utf-8"?>
-<?mso-contentType ?>
-<FormTemplates xmlns="http://schemas.microsoft.com/sharepoint/v3/contenttype/forms">
-  <Display>DocumentLibraryForm</Display>
-  <Edit>DocumentLibraryForm</Edit>
-  <New>DocumentLibraryForm</New>
-</FormTemplates>
+<file path=customXml/itemProps1.xml><?xml version="1.0" encoding="utf-8"?>
+<ds:datastoreItem xmlns:ds="http://schemas.openxmlformats.org/officeDocument/2006/customXml" ds:itemID="{D7186F62-2954-471E-9368-38BF5704F41F}">
+  <ds:schemaRefs>
+    <ds:schemaRef ds:uri="http://schemas.microsoft.com/office/2006/metadata/properties"/>
+    <ds:schemaRef ds:uri="http://www.w3.org/XML/1998/namespace"/>
+    <ds:schemaRef ds:uri="1913475e-a030-45ec-9e8a-a2630205b38f"/>
+    <ds:schemaRef ds:uri="http://purl.org/dc/terms/"/>
+    <ds:schemaRef ds:uri="http://purl.org/dc/elements/1.1/"/>
+    <ds:schemaRef ds:uri="http://schemas.microsoft.com/office/infopath/2007/PartnerControls"/>
+    <ds:schemaRef ds:uri="0ae7057e-292f-4fd1-bead-5494e4c66c6d"/>
+    <ds:schemaRef ds:uri="http://schemas.microsoft.com/office/2006/documentManagement/types"/>
+    <ds:schemaRef ds:uri="http://schemas.openxmlformats.org/package/2006/metadata/core-properties"/>
+    <ds:schemaRef ds:uri="http://schemas.microsoft.com/sharepoint/v3"/>
+    <ds:schemaRef ds:uri="http://purl.org/dc/dcmitype/"/>
+  </ds:schemaRefs>
+</ds:datastoreItem>
 </file>
 
-<file path=customXml/item3.xml><?xml version="1.0" encoding="utf-8"?>
-<p:properties xmlns:p="http://schemas.microsoft.com/office/2006/metadata/properties" xmlns:xsi="http://www.w3.org/2001/XMLSchema-instance" xmlns:pc="http://schemas.microsoft.com/office/infopath/2007/PartnerControls">
-  <documentManagement>
-    <PublishingExpirationDate xmlns="http://schemas.microsoft.com/sharepoint/v3" xsi:nil="true"/>
-    <PublishingStartDate xmlns="http://schemas.microsoft.com/sharepoint/v3" xsi:nil="true"/>
-  </documentManagement>
-</p:properties>
+<file path=customXml/itemProps2.xml><?xml version="1.0" encoding="utf-8"?>
+<ds:datastoreItem xmlns:ds="http://schemas.openxmlformats.org/officeDocument/2006/customXml" ds:itemID="{CA1AEAF9-C730-4098-99F1-230B2FED747B}">
+  <ds:schemaRefs>
+    <ds:schemaRef ds:uri="http://schemas.microsoft.com/sharepoint/v3/contenttype/forms"/>
+  </ds:schemaRefs>
+</ds:datastoreItem>
 </file>
 
-<file path=customXml/itemProps1.xml><?xml version="1.0" encoding="utf-8"?>
+<file path=customXml/itemProps3.xml><?xml version="1.0" encoding="utf-8"?>
 <ds:datastoreItem xmlns:ds="http://schemas.openxmlformats.org/officeDocument/2006/customXml" ds:itemID="{F6B4073B-771D-450A-9EDA-ABAA77B0531E}">
   <ds:schemaRefs>
     <ds:schemaRef ds:uri="http://schemas.microsoft.com/office/2006/metadata/contentType"/>
@@ -10659,30 +10824,4 @@
     <ds:schemaRef ds:uri="http://schemas.microsoft.com/internal/obd"/>
   </ds:schemaRefs>
 </ds:datastoreItem>
-</file>
-
-<file path=customXml/itemProps2.xml><?xml version="1.0" encoding="utf-8"?>
-<ds:datastoreItem xmlns:ds="http://schemas.openxmlformats.org/officeDocument/2006/customXml" ds:itemID="{CA1AEAF9-C730-4098-99F1-230B2FED747B}">
-  <ds:schemaRefs>
-    <ds:schemaRef ds:uri="http://schemas.microsoft.com/sharepoint/v3/contenttype/forms"/>
-  </ds:schemaRefs>
-</ds:datastoreItem>
-</file>
-
-<file path=customXml/itemProps3.xml><?xml version="1.0" encoding="utf-8"?>
-<ds:datastoreItem xmlns:ds="http://schemas.openxmlformats.org/officeDocument/2006/customXml" ds:itemID="{D7186F62-2954-471E-9368-38BF5704F41F}">
-  <ds:schemaRefs>
-    <ds:schemaRef ds:uri="http://schemas.microsoft.com/office/2006/metadata/properties"/>
-    <ds:schemaRef ds:uri="http://www.w3.org/XML/1998/namespace"/>
-    <ds:schemaRef ds:uri="1913475e-a030-45ec-9e8a-a2630205b38f"/>
-    <ds:schemaRef ds:uri="http://purl.org/dc/terms/"/>
-    <ds:schemaRef ds:uri="http://purl.org/dc/elements/1.1/"/>
-    <ds:schemaRef ds:uri="http://schemas.microsoft.com/office/infopath/2007/PartnerControls"/>
-    <ds:schemaRef ds:uri="0ae7057e-292f-4fd1-bead-5494e4c66c6d"/>
-    <ds:schemaRef ds:uri="http://schemas.microsoft.com/office/2006/documentManagement/types"/>
-    <ds:schemaRef ds:uri="http://schemas.openxmlformats.org/package/2006/metadata/core-properties"/>
-    <ds:schemaRef ds:uri="http://schemas.microsoft.com/sharepoint/v3"/>
-    <ds:schemaRef ds:uri="http://purl.org/dc/dcmitype/"/>
-  </ds:schemaRefs>
-</ds:datastoreItem>
 </file>